--- a/Presentation/Sadek_Python_Project1_Presentation.pptx
+++ b/Presentation/Sadek_Python_Project1_Presentation.pptx
@@ -27,7 +27,6 @@
     <p:sldId id="278" r:id="rId21"/>
     <p:sldId id="279" r:id="rId22"/>
     <p:sldId id="269" r:id="rId23"/>
-    <p:sldId id="270" r:id="rId24"/>
   </p:sldIdLst>
   <p:sldSz cx="12192000" cy="6858000"/>
   <p:notesSz cx="6858000" cy="9144000"/>
@@ -126,6 +125,11 @@
       </a:defRPr>
     </a:lvl9pPr>
   </p:defaultTextStyle>
+  <p:extLst>
+    <p:ext uri="{EFAFB233-063F-42B5-8137-9DF3F51BA10A}">
+      <p15:sldGuideLst xmlns:p15="http://schemas.microsoft.com/office/powerpoint/2012/main"/>
+    </p:ext>
+  </p:extLst>
 </p:presentation>
 </file>
 
@@ -4422,7 +4426,37 @@
         </p:blipFill>
         <p:spPr>
           <a:xfrm>
-            <a:off x="3631565" y="1904998"/>
+            <a:off x="966741" y="1865810"/>
+            <a:ext cx="4928870" cy="4446221"/>
+          </a:xfrm>
+          <a:prstGeom prst="rect">
+            <a:avLst/>
+          </a:prstGeom>
+        </p:spPr>
+      </p:pic>
+      <p:pic>
+        <p:nvPicPr>
+          <p:cNvPr id="4" name="Picture 3">
+            <a:extLst>
+              <a:ext uri="{FF2B5EF4-FFF2-40B4-BE49-F238E27FC236}">
+                <a16:creationId xmlns:a16="http://schemas.microsoft.com/office/drawing/2014/main" id="{18A2B9A9-286B-5046-A6C8-22C56DADE18A}"/>
+              </a:ext>
+            </a:extLst>
+          </p:cNvPr>
+          <p:cNvPicPr>
+            <a:picLocks noChangeAspect="1"/>
+          </p:cNvPicPr>
+          <p:nvPr/>
+        </p:nvPicPr>
+        <p:blipFill>
+          <a:blip r:embed="rId3"/>
+          <a:stretch>
+            <a:fillRect/>
+          </a:stretch>
+        </p:blipFill>
+        <p:spPr>
+          <a:xfrm>
+            <a:off x="6385741" y="1865810"/>
             <a:ext cx="4928870" cy="4446221"/>
           </a:xfrm>
           <a:prstGeom prst="rect">
@@ -4505,10 +4539,10 @@
       </p:sp>
       <p:pic>
         <p:nvPicPr>
-          <p:cNvPr id="5" name="Picture 4">
-            <a:extLst>
-              <a:ext uri="{FF2B5EF4-FFF2-40B4-BE49-F238E27FC236}">
-                <a16:creationId xmlns:a16="http://schemas.microsoft.com/office/drawing/2014/main" id="{E84937CB-B1A9-1649-B199-4F284EBA4B77}"/>
+          <p:cNvPr id="4" name="Picture 3">
+            <a:extLst>
+              <a:ext uri="{FF2B5EF4-FFF2-40B4-BE49-F238E27FC236}">
+                <a16:creationId xmlns:a16="http://schemas.microsoft.com/office/drawing/2014/main" id="{56F38F26-2E83-6445-84FB-E40ACA52FC52}"/>
               </a:ext>
             </a:extLst>
           </p:cNvPr>
@@ -4525,8 +4559,8 @@
         </p:blipFill>
         <p:spPr>
           <a:xfrm>
-            <a:off x="85090" y="1894840"/>
-            <a:ext cx="6153150" cy="4165600"/>
+            <a:off x="0" y="1894840"/>
+            <a:ext cx="6238240" cy="4165600"/>
           </a:xfrm>
           <a:prstGeom prst="rect">
             <a:avLst/>
@@ -4535,10 +4569,10 @@
       </p:pic>
       <p:pic>
         <p:nvPicPr>
-          <p:cNvPr id="7" name="Picture 6">
-            <a:extLst>
-              <a:ext uri="{FF2B5EF4-FFF2-40B4-BE49-F238E27FC236}">
-                <a16:creationId xmlns:a16="http://schemas.microsoft.com/office/drawing/2014/main" id="{C08B6343-9893-2341-8517-C79DF40D5DAE}"/>
+          <p:cNvPr id="8" name="Picture 7">
+            <a:extLst>
+              <a:ext uri="{FF2B5EF4-FFF2-40B4-BE49-F238E27FC236}">
+                <a16:creationId xmlns:a16="http://schemas.microsoft.com/office/drawing/2014/main" id="{70CFF167-ADFA-8B41-BBA4-22FCB2F82189}"/>
               </a:ext>
             </a:extLst>
           </p:cNvPr>
@@ -5064,10 +5098,10 @@
       </p:sp>
       <p:pic>
         <p:nvPicPr>
-          <p:cNvPr id="4" name="Picture 3">
-            <a:extLst>
-              <a:ext uri="{FF2B5EF4-FFF2-40B4-BE49-F238E27FC236}">
-                <a16:creationId xmlns:a16="http://schemas.microsoft.com/office/drawing/2014/main" id="{AB017003-D159-734C-8086-EB5CCC1F3B71}"/>
+          <p:cNvPr id="5" name="Picture 4">
+            <a:extLst>
+              <a:ext uri="{FF2B5EF4-FFF2-40B4-BE49-F238E27FC236}">
+                <a16:creationId xmlns:a16="http://schemas.microsoft.com/office/drawing/2014/main" id="{DD03DBA4-725B-6746-9CFF-3E93BA5C3579}"/>
               </a:ext>
             </a:extLst>
           </p:cNvPr>
@@ -5084,8 +5118,8 @@
         </p:blipFill>
         <p:spPr>
           <a:xfrm>
-            <a:off x="0" y="1894840"/>
-            <a:ext cx="6238240" cy="4165600"/>
+            <a:off x="11611" y="1894840"/>
+            <a:ext cx="6226629" cy="4165600"/>
           </a:xfrm>
           <a:prstGeom prst="rect">
             <a:avLst/>
@@ -5094,10 +5128,10 @@
       </p:pic>
       <p:pic>
         <p:nvPicPr>
-          <p:cNvPr id="8" name="Picture 7">
-            <a:extLst>
-              <a:ext uri="{FF2B5EF4-FFF2-40B4-BE49-F238E27FC236}">
-                <a16:creationId xmlns:a16="http://schemas.microsoft.com/office/drawing/2014/main" id="{A5A34024-E086-BB4F-A612-1D6455F392D9}"/>
+          <p:cNvPr id="7" name="Picture 6">
+            <a:extLst>
+              <a:ext uri="{FF2B5EF4-FFF2-40B4-BE49-F238E27FC236}">
+                <a16:creationId xmlns:a16="http://schemas.microsoft.com/office/drawing/2014/main" id="{49CACBF6-1AE7-D141-BC3A-D6CB4F2B4CC1}"/>
               </a:ext>
             </a:extLst>
           </p:cNvPr>
@@ -5197,10 +5231,10 @@
       </p:sp>
       <p:pic>
         <p:nvPicPr>
-          <p:cNvPr id="5" name="Picture 4">
-            <a:extLst>
-              <a:ext uri="{FF2B5EF4-FFF2-40B4-BE49-F238E27FC236}">
-                <a16:creationId xmlns:a16="http://schemas.microsoft.com/office/drawing/2014/main" id="{4FC0DFB8-6792-F849-9903-67DA1E5D6849}"/>
+          <p:cNvPr id="4" name="Picture 3">
+            <a:extLst>
+              <a:ext uri="{FF2B5EF4-FFF2-40B4-BE49-F238E27FC236}">
+                <a16:creationId xmlns:a16="http://schemas.microsoft.com/office/drawing/2014/main" id="{F93C2A11-D033-8B4B-BC4E-2A6EEEE5CF27}"/>
               </a:ext>
             </a:extLst>
           </p:cNvPr>
@@ -5217,8 +5251,8 @@
         </p:blipFill>
         <p:spPr>
           <a:xfrm>
-            <a:off x="1597785" y="1690688"/>
-            <a:ext cx="8996430" cy="4845368"/>
+            <a:off x="1545531" y="1650049"/>
+            <a:ext cx="9153434" cy="4842462"/>
           </a:xfrm>
           <a:prstGeom prst="rect">
             <a:avLst/>
@@ -5532,115 +5566,6 @@
     <p:extLst>
       <p:ext uri="{BB962C8B-B14F-4D97-AF65-F5344CB8AC3E}">
         <p14:creationId xmlns:p14="http://schemas.microsoft.com/office/powerpoint/2010/main" val="1355882936"/>
-      </p:ext>
-    </p:extLst>
-  </p:cSld>
-  <p:clrMapOvr>
-    <a:masterClrMapping/>
-  </p:clrMapOvr>
-</p:sld>
-</file>
-
-<file path=ppt/slides/slide23.xml><?xml version="1.0" encoding="utf-8"?>
-<p:sld xmlns:a="http://schemas.openxmlformats.org/drawingml/2006/main" xmlns:r="http://schemas.openxmlformats.org/officeDocument/2006/relationships" xmlns:p="http://schemas.openxmlformats.org/presentationml/2006/main">
-  <p:cSld>
-    <p:bg>
-      <p:bgPr>
-        <a:solidFill>
-          <a:srgbClr val="0E99DD"/>
-        </a:solidFill>
-        <a:effectLst/>
-      </p:bgPr>
-    </p:bg>
-    <p:spTree>
-      <p:nvGrpSpPr>
-        <p:cNvPr id="1" name=""/>
-        <p:cNvGrpSpPr/>
-        <p:nvPr/>
-      </p:nvGrpSpPr>
-      <p:grpSpPr>
-        <a:xfrm>
-          <a:off x="0" y="0"/>
-          <a:ext cx="0" cy="0"/>
-          <a:chOff x="0" y="0"/>
-          <a:chExt cx="0" cy="0"/>
-        </a:xfrm>
-      </p:grpSpPr>
-      <p:sp>
-        <p:nvSpPr>
-          <p:cNvPr id="2" name="Title 1">
-            <a:extLst>
-              <a:ext uri="{FF2B5EF4-FFF2-40B4-BE49-F238E27FC236}">
-                <a16:creationId xmlns:a16="http://schemas.microsoft.com/office/drawing/2014/main" id="{31C71DE5-A63D-E34A-9605-F43285D2548A}"/>
-              </a:ext>
-            </a:extLst>
-          </p:cNvPr>
-          <p:cNvSpPr>
-            <a:spLocks noGrp="1"/>
-          </p:cNvSpPr>
-          <p:nvPr>
-            <p:ph type="title"/>
-          </p:nvPr>
-        </p:nvSpPr>
-        <p:spPr/>
-        <p:txBody>
-          <a:bodyPr/>
-          <a:lstStyle/>
-          <a:p>
-            <a:endParaRPr lang="en-US" b="1" dirty="0">
-              <a:solidFill>
-                <a:schemeClr val="bg1"/>
-              </a:solidFill>
-              <a:latin typeface="Helvetica Neue" panose="02000503000000020004" pitchFamily="2" charset="0"/>
-              <a:ea typeface="Helvetica Neue" panose="02000503000000020004" pitchFamily="2" charset="0"/>
-              <a:cs typeface="Helvetica Neue" panose="02000503000000020004" pitchFamily="2" charset="0"/>
-            </a:endParaRPr>
-          </a:p>
-        </p:txBody>
-      </p:sp>
-      <p:sp>
-        <p:nvSpPr>
-          <p:cNvPr id="3" name="Content Placeholder 2">
-            <a:extLst>
-              <a:ext uri="{FF2B5EF4-FFF2-40B4-BE49-F238E27FC236}">
-                <a16:creationId xmlns:a16="http://schemas.microsoft.com/office/drawing/2014/main" id="{AEAD33A4-EE6B-8145-AC73-578592755746}"/>
-              </a:ext>
-            </a:extLst>
-          </p:cNvPr>
-          <p:cNvSpPr>
-            <a:spLocks noGrp="1"/>
-          </p:cNvSpPr>
-          <p:nvPr>
-            <p:ph idx="1"/>
-          </p:nvPr>
-        </p:nvSpPr>
-        <p:spPr/>
-        <p:txBody>
-          <a:bodyPr>
-            <a:normAutofit/>
-          </a:bodyPr>
-          <a:lstStyle/>
-          <a:p>
-            <a:pPr>
-              <a:spcAft>
-                <a:spcPts val="1000"/>
-              </a:spcAft>
-            </a:pPr>
-            <a:endParaRPr lang="en-US" sz="3200" b="1" dirty="0">
-              <a:solidFill>
-                <a:schemeClr val="bg1"/>
-              </a:solidFill>
-              <a:latin typeface="Helvetica Neue" panose="02000503000000020004" pitchFamily="2" charset="0"/>
-              <a:ea typeface="Helvetica Neue" panose="02000503000000020004" pitchFamily="2" charset="0"/>
-              <a:cs typeface="Helvetica Neue" panose="02000503000000020004" pitchFamily="2" charset="0"/>
-            </a:endParaRPr>
-          </a:p>
-        </p:txBody>
-      </p:sp>
-    </p:spTree>
-    <p:extLst>
-      <p:ext uri="{BB962C8B-B14F-4D97-AF65-F5344CB8AC3E}">
-        <p14:creationId xmlns:p14="http://schemas.microsoft.com/office/powerpoint/2010/main" val="489997453"/>
       </p:ext>
     </p:extLst>
   </p:cSld>
